--- a/docs/abapGit 2.0 - ABAP Libraries.pptx
+++ b/docs/abapGit 2.0 - ABAP Libraries.pptx
@@ -137,7 +137,7 @@
 <file path=ppt/revisionInfo.xml><?xml version="1.0" encoding="utf-8"?>
 <p1510:revInfo xmlns:a="http://schemas.openxmlformats.org/drawingml/2006/main" xmlns:r="http://schemas.openxmlformats.org/officeDocument/2006/relationships" xmlns:p1510="http://schemas.microsoft.com/office/powerpoint/2015/10/main">
   <p1510:revLst>
-    <p1510:client id="{041CEEFA-DE27-4111-9B5E-3D07CD4C24CB}" v="108" dt="2020-10-02T19:44:23.909"/>
+    <p1510:client id="{041CEEFA-DE27-4111-9B5E-3D07CD4C24CB}" v="109" dt="2020-10-02T20:19:52.767"/>
   </p1510:revLst>
 </p1510:revInfo>
 </file>
@@ -147,7 +147,7 @@
   <pc:docChgLst>
     <pc:chgData name="Marc Bernard" userId="fc4461cd1287abd2" providerId="LiveId" clId="{041CEEFA-DE27-4111-9B5E-3D07CD4C24CB}"/>
     <pc:docChg chg="undo custSel modSld">
-      <pc:chgData name="Marc Bernard" userId="fc4461cd1287abd2" providerId="LiveId" clId="{041CEEFA-DE27-4111-9B5E-3D07CD4C24CB}" dt="2020-10-02T19:44:23.909" v="607" actId="14100"/>
+      <pc:chgData name="Marc Bernard" userId="fc4461cd1287abd2" providerId="LiveId" clId="{041CEEFA-DE27-4111-9B5E-3D07CD4C24CB}" dt="2020-10-02T20:19:52.767" v="608"/>
       <pc:docMkLst>
         <pc:docMk/>
       </pc:docMkLst>
@@ -350,13 +350,13 @@
         </pc:spChg>
       </pc:sldChg>
       <pc:sldChg chg="modSp mod">
-        <pc:chgData name="Marc Bernard" userId="fc4461cd1287abd2" providerId="LiveId" clId="{041CEEFA-DE27-4111-9B5E-3D07CD4C24CB}" dt="2020-10-02T16:26:25.235" v="66" actId="20577"/>
+        <pc:chgData name="Marc Bernard" userId="fc4461cd1287abd2" providerId="LiveId" clId="{041CEEFA-DE27-4111-9B5E-3D07CD4C24CB}" dt="2020-10-02T20:19:52.767" v="608"/>
         <pc:sldMkLst>
           <pc:docMk/>
           <pc:sldMk cId="3649359428" sldId="273"/>
         </pc:sldMkLst>
         <pc:spChg chg="mod">
-          <ac:chgData name="Marc Bernard" userId="fc4461cd1287abd2" providerId="LiveId" clId="{041CEEFA-DE27-4111-9B5E-3D07CD4C24CB}" dt="2020-10-02T16:26:25.235" v="66" actId="20577"/>
+          <ac:chgData name="Marc Bernard" userId="fc4461cd1287abd2" providerId="LiveId" clId="{041CEEFA-DE27-4111-9B5E-3D07CD4C24CB}" dt="2020-10-02T20:19:52.767" v="608"/>
           <ac:spMkLst>
             <pc:docMk/>
             <pc:sldMk cId="3649359428" sldId="273"/>
@@ -412,7 +412,7 @@
         </pc:graphicFrameChg>
       </pc:sldChg>
       <pc:sldChg chg="addSp delSp modSp mod">
-        <pc:chgData name="Marc Bernard" userId="fc4461cd1287abd2" providerId="LiveId" clId="{041CEEFA-DE27-4111-9B5E-3D07CD4C24CB}" dt="2020-10-02T19:44:23.909" v="607" actId="14100"/>
+        <pc:chgData name="Marc Bernard" userId="fc4461cd1287abd2" providerId="LiveId" clId="{041CEEFA-DE27-4111-9B5E-3D07CD4C24CB}" dt="2020-10-02T20:19:52.767" v="608"/>
         <pc:sldMkLst>
           <pc:docMk/>
           <pc:sldMk cId="2621143971" sldId="275"/>
@@ -458,7 +458,7 @@
           </ac:spMkLst>
         </pc:spChg>
         <pc:spChg chg="mod">
-          <ac:chgData name="Marc Bernard" userId="fc4461cd1287abd2" providerId="LiveId" clId="{041CEEFA-DE27-4111-9B5E-3D07CD4C24CB}" dt="2020-10-02T19:44:14.966" v="605" actId="1076"/>
+          <ac:chgData name="Marc Bernard" userId="fc4461cd1287abd2" providerId="LiveId" clId="{041CEEFA-DE27-4111-9B5E-3D07CD4C24CB}" dt="2020-10-02T20:19:52.767" v="608"/>
           <ac:spMkLst>
             <pc:docMk/>
             <pc:sldMk cId="2621143971" sldId="275"/>
@@ -466,7 +466,7 @@
           </ac:spMkLst>
         </pc:spChg>
         <pc:spChg chg="add mod">
-          <ac:chgData name="Marc Bernard" userId="fc4461cd1287abd2" providerId="LiveId" clId="{041CEEFA-DE27-4111-9B5E-3D07CD4C24CB}" dt="2020-10-02T19:44:14.966" v="605" actId="1076"/>
+          <ac:chgData name="Marc Bernard" userId="fc4461cd1287abd2" providerId="LiveId" clId="{041CEEFA-DE27-4111-9B5E-3D07CD4C24CB}" dt="2020-10-02T20:19:52.767" v="608"/>
           <ac:spMkLst>
             <pc:docMk/>
             <pc:sldMk cId="2621143971" sldId="275"/>
@@ -474,7 +474,7 @@
           </ac:spMkLst>
         </pc:spChg>
         <pc:spChg chg="mod">
-          <ac:chgData name="Marc Bernard" userId="fc4461cd1287abd2" providerId="LiveId" clId="{041CEEFA-DE27-4111-9B5E-3D07CD4C24CB}" dt="2020-10-02T19:43:58.247" v="604" actId="1076"/>
+          <ac:chgData name="Marc Bernard" userId="fc4461cd1287abd2" providerId="LiveId" clId="{041CEEFA-DE27-4111-9B5E-3D07CD4C24CB}" dt="2020-10-02T20:19:52.767" v="608"/>
           <ac:spMkLst>
             <pc:docMk/>
             <pc:sldMk cId="2621143971" sldId="275"/>
@@ -482,7 +482,7 @@
           </ac:spMkLst>
         </pc:spChg>
         <pc:graphicFrameChg chg="mod">
-          <ac:chgData name="Marc Bernard" userId="fc4461cd1287abd2" providerId="LiveId" clId="{041CEEFA-DE27-4111-9B5E-3D07CD4C24CB}" dt="2020-10-02T19:44:23.909" v="607" actId="14100"/>
+          <ac:chgData name="Marc Bernard" userId="fc4461cd1287abd2" providerId="LiveId" clId="{041CEEFA-DE27-4111-9B5E-3D07CD4C24CB}" dt="2020-10-02T20:19:52.767" v="608"/>
           <ac:graphicFrameMkLst>
             <pc:docMk/>
             <pc:sldMk cId="2621143971" sldId="275"/>
@@ -507,13 +507,13 @@
         </pc:picChg>
       </pc:sldChg>
       <pc:sldChg chg="delSp modSp mod">
-        <pc:chgData name="Marc Bernard" userId="fc4461cd1287abd2" providerId="LiveId" clId="{041CEEFA-DE27-4111-9B5E-3D07CD4C24CB}" dt="2020-10-02T19:43:32.825" v="600" actId="1076"/>
+        <pc:chgData name="Marc Bernard" userId="fc4461cd1287abd2" providerId="LiveId" clId="{041CEEFA-DE27-4111-9B5E-3D07CD4C24CB}" dt="2020-10-02T20:19:52.767" v="608"/>
         <pc:sldMkLst>
           <pc:docMk/>
           <pc:sldMk cId="925029508" sldId="276"/>
         </pc:sldMkLst>
         <pc:spChg chg="mod">
-          <ac:chgData name="Marc Bernard" userId="fc4461cd1287abd2" providerId="LiveId" clId="{041CEEFA-DE27-4111-9B5E-3D07CD4C24CB}" dt="2020-10-02T16:39:12.996" v="254" actId="1076"/>
+          <ac:chgData name="Marc Bernard" userId="fc4461cd1287abd2" providerId="LiveId" clId="{041CEEFA-DE27-4111-9B5E-3D07CD4C24CB}" dt="2020-10-02T20:19:52.767" v="608"/>
           <ac:spMkLst>
             <pc:docMk/>
             <pc:sldMk cId="925029508" sldId="276"/>
@@ -529,7 +529,7 @@
           </ac:spMkLst>
         </pc:spChg>
         <pc:spChg chg="mod">
-          <ac:chgData name="Marc Bernard" userId="fc4461cd1287abd2" providerId="LiveId" clId="{041CEEFA-DE27-4111-9B5E-3D07CD4C24CB}" dt="2020-10-02T19:43:32.825" v="600" actId="1076"/>
+          <ac:chgData name="Marc Bernard" userId="fc4461cd1287abd2" providerId="LiveId" clId="{041CEEFA-DE27-4111-9B5E-3D07CD4C24CB}" dt="2020-10-02T20:19:52.767" v="608"/>
           <ac:spMkLst>
             <pc:docMk/>
             <pc:sldMk cId="925029508" sldId="276"/>
@@ -537,7 +537,7 @@
           </ac:spMkLst>
         </pc:spChg>
         <pc:graphicFrameChg chg="mod">
-          <ac:chgData name="Marc Bernard" userId="fc4461cd1287abd2" providerId="LiveId" clId="{041CEEFA-DE27-4111-9B5E-3D07CD4C24CB}" dt="2020-10-02T16:28:53.633" v="154" actId="20577"/>
+          <ac:chgData name="Marc Bernard" userId="fc4461cd1287abd2" providerId="LiveId" clId="{041CEEFA-DE27-4111-9B5E-3D07CD4C24CB}" dt="2020-10-02T20:19:52.767" v="608"/>
           <ac:graphicFrameMkLst>
             <pc:docMk/>
             <pc:sldMk cId="925029508" sldId="276"/>
@@ -16140,7 +16140,7 @@
         <a:p>
           <a:r>
             <a:rPr lang="en-CA" sz="2000" dirty="0"/>
-            <a:t>/mbtools/</a:t>
+            <a:t>/appdemo/</a:t>
           </a:r>
         </a:p>
       </dgm:t>
@@ -16188,7 +16188,7 @@
         <a:p>
           <a:r>
             <a:rPr lang="en-CA" sz="1600" dirty="0"/>
-            <a:t>/mbtools/</a:t>
+            <a:t>/appdemo/</a:t>
           </a:r>
           <a:br>
             <a:rPr lang="en-CA" sz="1600" dirty="0"/>
@@ -16246,7 +16246,7 @@
         <a:p>
           <a:r>
             <a:rPr lang="en-CA" sz="1600" dirty="0"/>
-            <a:t>/mbtools/</a:t>
+            <a:t>/appdemo/</a:t>
           </a:r>
           <a:br>
             <a:rPr lang="en-CA" sz="1600" dirty="0"/>
@@ -16503,7 +16503,7 @@
         <a:p>
           <a:r>
             <a:rPr lang="en-CA" sz="2000" dirty="0"/>
-            <a:t>/mbtools/</a:t>
+            <a:t>/appdemo/</a:t>
           </a:r>
         </a:p>
       </dgm:t>
@@ -16551,7 +16551,7 @@
         <a:p>
           <a:r>
             <a:rPr lang="en-CA" sz="1600" dirty="0"/>
-            <a:t>/mbtools/</a:t>
+            <a:t>/appdemo/</a:t>
           </a:r>
           <a:br>
             <a:rPr lang="en-CA" sz="1600" dirty="0"/>
@@ -16609,7 +16609,7 @@
         <a:p>
           <a:r>
             <a:rPr lang="en-CA" sz="1600" dirty="0"/>
-            <a:t>/mbtools/</a:t>
+            <a:t>/appdemo/</a:t>
           </a:r>
           <a:br>
             <a:rPr lang="en-CA" sz="1600" dirty="0"/>
@@ -16665,7 +16665,7 @@
         <a:p>
           <a:r>
             <a:rPr lang="en-CA" sz="1600" dirty="0"/>
-            <a:t>/mbtools/</a:t>
+            <a:t>/appdemo/</a:t>
           </a:r>
           <a:br>
             <a:rPr lang="en-CA" sz="1600" dirty="0"/>
@@ -16725,7 +16725,7 @@
           </a:r>
           <a:r>
             <a:rPr lang="en-CA" sz="1600" dirty="0"/>
-            <a:t>mbtools</a:t>
+            <a:t>appdemo</a:t>
           </a:r>
           <a:r>
             <a:rPr lang="en-US" sz="1600" dirty="0"/>
@@ -27456,7 +27456,7 @@
           </a:pPr>
           <a:r>
             <a:rPr lang="en-CA" sz="2000" kern="1200" dirty="0"/>
-            <a:t>/mbtools/</a:t>
+            <a:t>/appdemo/</a:t>
           </a:r>
         </a:p>
       </dsp:txBody>
@@ -27608,7 +27608,7 @@
           </a:pPr>
           <a:r>
             <a:rPr lang="en-CA" sz="1600" kern="1200" dirty="0"/>
-            <a:t>/mbtools/</a:t>
+            <a:t>/appdemo/</a:t>
           </a:r>
           <a:br>
             <a:rPr lang="en-CA" sz="1600" kern="1200" dirty="0"/>
@@ -27768,7 +27768,7 @@
           </a:pPr>
           <a:r>
             <a:rPr lang="en-CA" sz="1600" kern="1200" dirty="0"/>
-            <a:t>/mbtools/</a:t>
+            <a:t>/appdemo/</a:t>
           </a:r>
           <a:br>
             <a:rPr lang="en-CA" sz="1600" kern="1200" dirty="0"/>
@@ -28018,7 +28018,7 @@
           </a:pPr>
           <a:r>
             <a:rPr lang="en-CA" sz="2000" kern="1200" dirty="0"/>
-            <a:t>/mbtools/</a:t>
+            <a:t>/appdemo/</a:t>
           </a:r>
         </a:p>
       </dsp:txBody>
@@ -28170,7 +28170,7 @@
           </a:pPr>
           <a:r>
             <a:rPr lang="en-CA" sz="1600" kern="1200" dirty="0"/>
-            <a:t>/mbtools/</a:t>
+            <a:t>/appdemo/</a:t>
           </a:r>
           <a:br>
             <a:rPr lang="en-CA" sz="1600" kern="1200" dirty="0"/>
@@ -28330,7 +28330,7 @@
           </a:pPr>
           <a:r>
             <a:rPr lang="en-CA" sz="1600" kern="1200" dirty="0"/>
-            <a:t>/mbtools/</a:t>
+            <a:t>/appdemo/</a:t>
           </a:r>
           <a:br>
             <a:rPr lang="en-CA" sz="1600" kern="1200" dirty="0"/>
@@ -28494,7 +28494,7 @@
           </a:r>
           <a:r>
             <a:rPr lang="en-CA" sz="1600" kern="1200" dirty="0"/>
-            <a:t>mbtools</a:t>
+            <a:t>appdemo</a:t>
           </a:r>
           <a:r>
             <a:rPr lang="en-US" sz="1600" kern="1200" dirty="0"/>
@@ -28659,7 +28659,7 @@
           </a:pPr>
           <a:r>
             <a:rPr lang="en-CA" sz="1600" kern="1200" dirty="0"/>
-            <a:t>/mbtools/</a:t>
+            <a:t>/appdemo/</a:t>
           </a:r>
           <a:br>
             <a:rPr lang="en-CA" sz="1600" kern="1200" dirty="0"/>
@@ -45982,7 +45982,7 @@
             </a:pPr>
             <a:r>
               <a:rPr lang="en-US" dirty="0"/>
-              <a:t>Your application is developed in namespace /mbtools/ </a:t>
+              <a:t>Your application is developed in namespace /appdemo/ </a:t>
             </a:r>
             <a:br>
               <a:rPr lang="en-US" dirty="0"/>
@@ -46313,7 +46313,7 @@
         <p:spPr>
           <a:xfrm>
             <a:off x="5408837" y="4190359"/>
-            <a:ext cx="4614725" cy="369332"/>
+            <a:ext cx="4697183" cy="369332"/>
           </a:xfrm>
           <a:prstGeom prst="rect">
             <a:avLst/>
@@ -46328,7 +46328,7 @@
           <a:p>
             <a:r>
               <a:rPr lang="en-CA" dirty="0"/>
-              <a:t>https://github.com/mbtools/abaplib-appdemo</a:t>
+              <a:t>https://github.com/appdemo/abaplib-appdemo</a:t>
             </a:r>
           </a:p>
         </p:txBody>
@@ -46369,7 +46369,7 @@
             <a:pPr algn="ctr"/>
             <a:r>
               <a:rPr lang="en-CA" dirty="0"/>
-              <a:t>Figure 8: Development of your application in /mbtools/mainpack</a:t>
+              <a:t>Figure 8: Development of your application in /appdemo/mainpack</a:t>
             </a:r>
           </a:p>
         </p:txBody>
@@ -46674,7 +46674,7 @@
             <a:pPr algn="ctr"/>
             <a:r>
               <a:rPr lang="en-CA" dirty="0"/>
-              <a:t>Figure 9: Create package /mbtools/mainpack_libdemo and install the libDemo v2.0 repo into it. </a:t>
+              <a:t>Figure 9: Create package /appdemo/mainpack_libdemo and install the libDemo v2.0 repo into it. </a:t>
             </a:r>
           </a:p>
           <a:p>
@@ -46950,14 +46950,14 @@
             <a:pPr algn="ctr"/>
             <a:r>
               <a:rPr lang="en-CA" dirty="0"/>
-              <a:t>REPORT /mbtools/appdemo.</a:t>
+              <a:t>REPORT /appdemo/appdemo.</a:t>
             </a:r>
             <a:br>
               <a:rPr lang="en-CA" dirty="0"/>
             </a:br>
             <a:r>
               <a:rPr lang="en-US" dirty="0"/>
-              <a:t>WRITE: /mbtools/cl_libdemo=&gt;get( ).</a:t>
+              <a:t>WRITE: /appdemo/cl_libdemo=&gt;get( ).</a:t>
             </a:r>
             <a:endParaRPr lang="en-CA" dirty="0"/>
           </a:p>
@@ -46977,8 +46977,8 @@
         </p:nvSpPr>
         <p:spPr>
           <a:xfrm>
-            <a:off x="4702541" y="4309509"/>
-            <a:ext cx="2786917" cy="646331"/>
+            <a:off x="4638870" y="4309509"/>
+            <a:ext cx="2914260" cy="646331"/>
           </a:xfrm>
           <a:prstGeom prst="rect">
             <a:avLst/>
@@ -47001,7 +47001,7 @@
             </a:br>
             <a:r>
               <a:rPr lang="en-CA" dirty="0"/>
-              <a:t>/mbtools/abaplib-appdemo</a:t>
+              <a:t>/appdemo/abaplib-appdemo</a:t>
             </a:r>
           </a:p>
         </p:txBody>
